--- a/presentasjoner/kartografikurs-bergen-2014/Nasjonal_kartkompetanse.pptx
+++ b/presentasjoner/kartografikurs-bergen-2014/Nasjonal_kartkompetanse.pptx
@@ -3526,7 +3526,21 @@
               <a:rPr lang="nb-NO">
                 <a:hlinkClick r:id="rId2"/>
               </a:rPr>
-              <a:t>http://www.maptime.io/about</a:t>
+              <a:t>https://guides.github.com/</a:t>
+            </a:r>
+          </a:p>
+          <a:p>
+            <a:r>
+              <a:rPr lang="nb-NO" smtClean="0">
+                <a:hlinkClick r:id="rId2"/>
+              </a:rPr>
+              <a:t>http</a:t>
+            </a:r>
+            <a:r>
+              <a:rPr lang="nb-NO">
+                <a:hlinkClick r:id="rId2"/>
+              </a:rPr>
+              <a:t>://www.maptime.io/about</a:t>
             </a:r>
             <a:r>
               <a:rPr lang="nb-NO" smtClean="0">
